--- a/MNIST_Model1/pytorch_imple/noise robust loss functions.pptx
+++ b/MNIST_Model1/pytorch_imple/noise robust loss functions.pptx
@@ -4103,32 +4103,1039 @@
             <p:ph idx="1"/>
           </p:nvPr>
         </p:nvSpPr>
-        <p:spPr/>
+        <p:spPr>
+          <a:xfrm>
+            <a:off x="838200" y="1825625"/>
+            <a:ext cx="3473406" cy="2124707"/>
+          </a:xfrm>
+        </p:spPr>
         <p:txBody>
           <a:bodyPr/>
           <a:lstStyle/>
           <a:p>
             <a:r>
               <a:rPr lang="en-US" dirty="0"/>
-              <a:t>MNIST dataset</a:t>
-            </a:r>
-          </a:p>
+              <a:t>Synthetically inject noise into MNIST dataset</a:t>
+            </a:r>
+          </a:p>
+          <a:p>
+            <a:pPr marL="0" indent="0">
+              <a:buNone/>
+            </a:pPr>
+            <a:endParaRPr lang="en-US" dirty="0"/>
+          </a:p>
+        </p:txBody>
+      </p:sp>
+      <p:sp>
+        <p:nvSpPr>
+          <p:cNvPr id="4" name="Rectangle 3">
+            <a:extLst>
+              <a:ext uri="{FF2B5EF4-FFF2-40B4-BE49-F238E27FC236}">
+                <a16:creationId xmlns:a16="http://schemas.microsoft.com/office/drawing/2014/main" id="{63709F76-B344-74F6-F86F-57E431A57001}"/>
+              </a:ext>
+            </a:extLst>
+          </p:cNvPr>
+          <p:cNvSpPr/>
+          <p:nvPr/>
+        </p:nvSpPr>
+        <p:spPr>
+          <a:xfrm>
+            <a:off x="6096000" y="587982"/>
+            <a:ext cx="5989022" cy="899410"/>
+          </a:xfrm>
+          <a:prstGeom prst="rect">
+            <a:avLst/>
+          </a:prstGeom>
+          <a:solidFill>
+            <a:schemeClr val="accent4">
+              <a:lumMod val="20000"/>
+              <a:lumOff val="80000"/>
+            </a:schemeClr>
+          </a:solidFill>
+        </p:spPr>
+        <p:style>
+          <a:lnRef idx="2">
+            <a:schemeClr val="accent1">
+              <a:shade val="15000"/>
+            </a:schemeClr>
+          </a:lnRef>
+          <a:fillRef idx="1">
+            <a:schemeClr val="accent1"/>
+          </a:fillRef>
+          <a:effectRef idx="0">
+            <a:schemeClr val="accent1"/>
+          </a:effectRef>
+          <a:fontRef idx="minor">
+            <a:schemeClr val="lt1"/>
+          </a:fontRef>
+        </p:style>
+        <p:txBody>
+          <a:bodyPr rtlCol="0" anchor="ctr"/>
+          <a:lstStyle/>
+          <a:p>
+            <a:pPr algn="ctr"/>
+            <a:endParaRPr lang="en-US"/>
+          </a:p>
+        </p:txBody>
+      </p:sp>
+      <p:sp>
+        <p:nvSpPr>
+          <p:cNvPr id="5" name="TextBox 4">
+            <a:extLst>
+              <a:ext uri="{FF2B5EF4-FFF2-40B4-BE49-F238E27FC236}">
+                <a16:creationId xmlns:a16="http://schemas.microsoft.com/office/drawing/2014/main" id="{4F5D7DD5-AF11-B383-4EA8-ED0E21282E04}"/>
+              </a:ext>
+            </a:extLst>
+          </p:cNvPr>
+          <p:cNvSpPr txBox="1"/>
+          <p:nvPr/>
+        </p:nvSpPr>
+        <p:spPr>
+          <a:xfrm>
+            <a:off x="8087192" y="899099"/>
+            <a:ext cx="1069139" cy="369332"/>
+          </a:xfrm>
+          <a:prstGeom prst="rect">
+            <a:avLst/>
+          </a:prstGeom>
+          <a:noFill/>
+        </p:spPr>
+        <p:txBody>
+          <a:bodyPr wrap="none" rtlCol="0">
+            <a:spAutoFit/>
+          </a:bodyPr>
+          <a:lstStyle/>
           <a:p>
             <a:r>
               <a:rPr lang="en-US" dirty="0"/>
-              <a:t>Inject noise -&gt; train dataset</a:t>
-            </a:r>
-          </a:p>
+              <a:t>DATASET</a:t>
+            </a:r>
+          </a:p>
+        </p:txBody>
+      </p:sp>
+      <p:sp>
+        <p:nvSpPr>
+          <p:cNvPr id="6" name="Rectangle 5">
+            <a:extLst>
+              <a:ext uri="{FF2B5EF4-FFF2-40B4-BE49-F238E27FC236}">
+                <a16:creationId xmlns:a16="http://schemas.microsoft.com/office/drawing/2014/main" id="{8D8A3E50-0B05-4FBD-45B2-73AC93B5B497}"/>
+              </a:ext>
+            </a:extLst>
+          </p:cNvPr>
+          <p:cNvSpPr/>
+          <p:nvPr/>
+        </p:nvSpPr>
+        <p:spPr>
+          <a:xfrm>
+            <a:off x="6095999" y="3629546"/>
+            <a:ext cx="1946223" cy="899410"/>
+          </a:xfrm>
+          <a:prstGeom prst="rect">
+            <a:avLst/>
+          </a:prstGeom>
+          <a:solidFill>
+            <a:schemeClr val="accent4">
+              <a:lumMod val="20000"/>
+              <a:lumOff val="80000"/>
+            </a:schemeClr>
+          </a:solidFill>
+        </p:spPr>
+        <p:style>
+          <a:lnRef idx="2">
+            <a:schemeClr val="accent1">
+              <a:shade val="15000"/>
+            </a:schemeClr>
+          </a:lnRef>
+          <a:fillRef idx="1">
+            <a:schemeClr val="accent1"/>
+          </a:fillRef>
+          <a:effectRef idx="0">
+            <a:schemeClr val="accent1"/>
+          </a:effectRef>
+          <a:fontRef idx="minor">
+            <a:schemeClr val="lt1"/>
+          </a:fontRef>
+        </p:style>
+        <p:txBody>
+          <a:bodyPr rtlCol="0" anchor="ctr"/>
+          <a:lstStyle/>
+          <a:p>
+            <a:pPr algn="ctr"/>
+            <a:endParaRPr lang="en-US"/>
+          </a:p>
+        </p:txBody>
+      </p:sp>
+      <p:sp>
+        <p:nvSpPr>
+          <p:cNvPr id="7" name="TextBox 6">
+            <a:extLst>
+              <a:ext uri="{FF2B5EF4-FFF2-40B4-BE49-F238E27FC236}">
+                <a16:creationId xmlns:a16="http://schemas.microsoft.com/office/drawing/2014/main" id="{EFF88BF8-4459-4D3F-B88B-C87C650F13F4}"/>
+              </a:ext>
+            </a:extLst>
+          </p:cNvPr>
+          <p:cNvSpPr txBox="1"/>
+          <p:nvPr/>
+        </p:nvSpPr>
+        <p:spPr>
+          <a:xfrm>
+            <a:off x="6586361" y="3955143"/>
+            <a:ext cx="965498" cy="369332"/>
+          </a:xfrm>
+          <a:prstGeom prst="rect">
+            <a:avLst/>
+          </a:prstGeom>
+          <a:noFill/>
+        </p:spPr>
+        <p:txBody>
+          <a:bodyPr wrap="square" rtlCol="0">
+            <a:spAutoFit/>
+          </a:bodyPr>
+          <a:lstStyle/>
           <a:p>
             <a:r>
               <a:rPr lang="en-US" dirty="0"/>
-              <a:t>Clean dataset-&gt; test</a:t>
-            </a:r>
-          </a:p>
+              <a:t>TRAIN</a:t>
+            </a:r>
+          </a:p>
+        </p:txBody>
+      </p:sp>
+      <p:cxnSp>
+        <p:nvCxnSpPr>
+          <p:cNvPr id="9" name="Straight Arrow Connector 8">
+            <a:extLst>
+              <a:ext uri="{FF2B5EF4-FFF2-40B4-BE49-F238E27FC236}">
+                <a16:creationId xmlns:a16="http://schemas.microsoft.com/office/drawing/2014/main" id="{54855742-80E5-123E-7E44-4C5481636E32}"/>
+              </a:ext>
+            </a:extLst>
+          </p:cNvPr>
+          <p:cNvCxnSpPr>
+            <a:cxnSpLocks/>
+          </p:cNvCxnSpPr>
+          <p:nvPr/>
+        </p:nvCxnSpPr>
+        <p:spPr>
+          <a:xfrm>
+            <a:off x="7621249" y="1487392"/>
+            <a:ext cx="0" cy="914400"/>
+          </a:xfrm>
+          <a:prstGeom prst="straightConnector1">
+            <a:avLst/>
+          </a:prstGeom>
+          <a:ln>
+            <a:tailEnd type="triangle"/>
+          </a:ln>
+        </p:spPr>
+        <p:style>
+          <a:lnRef idx="2">
+            <a:schemeClr val="accent1"/>
+          </a:lnRef>
+          <a:fillRef idx="0">
+            <a:schemeClr val="accent1"/>
+          </a:fillRef>
+          <a:effectRef idx="1">
+            <a:schemeClr val="accent1"/>
+          </a:effectRef>
+          <a:fontRef idx="minor">
+            <a:schemeClr val="tx1"/>
+          </a:fontRef>
+        </p:style>
+      </p:cxnSp>
+      <p:sp>
+        <p:nvSpPr>
+          <p:cNvPr id="10" name="Rectangle 9">
+            <a:extLst>
+              <a:ext uri="{FF2B5EF4-FFF2-40B4-BE49-F238E27FC236}">
+                <a16:creationId xmlns:a16="http://schemas.microsoft.com/office/drawing/2014/main" id="{6D19E836-2E8F-1EF2-8811-23D8FB007CE6}"/>
+              </a:ext>
+            </a:extLst>
+          </p:cNvPr>
+          <p:cNvSpPr/>
+          <p:nvPr/>
+        </p:nvSpPr>
+        <p:spPr>
+          <a:xfrm>
+            <a:off x="8310796" y="3594360"/>
+            <a:ext cx="1946223" cy="899410"/>
+          </a:xfrm>
+          <a:prstGeom prst="rect">
+            <a:avLst/>
+          </a:prstGeom>
+          <a:solidFill>
+            <a:schemeClr val="accent4">
+              <a:lumMod val="20000"/>
+              <a:lumOff val="80000"/>
+            </a:schemeClr>
+          </a:solidFill>
+        </p:spPr>
+        <p:style>
+          <a:lnRef idx="2">
+            <a:schemeClr val="accent1">
+              <a:shade val="15000"/>
+            </a:schemeClr>
+          </a:lnRef>
+          <a:fillRef idx="1">
+            <a:schemeClr val="accent1"/>
+          </a:fillRef>
+          <a:effectRef idx="0">
+            <a:schemeClr val="accent1"/>
+          </a:effectRef>
+          <a:fontRef idx="minor">
+            <a:schemeClr val="lt1"/>
+          </a:fontRef>
+        </p:style>
+        <p:txBody>
+          <a:bodyPr rtlCol="0" anchor="ctr"/>
+          <a:lstStyle/>
+          <a:p>
+            <a:pPr algn="ctr"/>
+            <a:endParaRPr lang="en-US"/>
+          </a:p>
+        </p:txBody>
+      </p:sp>
+      <p:sp>
+        <p:nvSpPr>
+          <p:cNvPr id="11" name="TextBox 10">
+            <a:extLst>
+              <a:ext uri="{FF2B5EF4-FFF2-40B4-BE49-F238E27FC236}">
+                <a16:creationId xmlns:a16="http://schemas.microsoft.com/office/drawing/2014/main" id="{9F6AFE02-9DA6-BCFD-003D-938B128BABF5}"/>
+              </a:ext>
+            </a:extLst>
+          </p:cNvPr>
+          <p:cNvSpPr txBox="1"/>
+          <p:nvPr/>
+        </p:nvSpPr>
+        <p:spPr>
+          <a:xfrm>
+            <a:off x="8801158" y="3876992"/>
+            <a:ext cx="965498" cy="369332"/>
+          </a:xfrm>
+          <a:prstGeom prst="rect">
+            <a:avLst/>
+          </a:prstGeom>
+          <a:noFill/>
+        </p:spPr>
+        <p:txBody>
+          <a:bodyPr wrap="square" rtlCol="0">
+            <a:spAutoFit/>
+          </a:bodyPr>
+          <a:lstStyle/>
           <a:p>
             <a:r>
               <a:rPr lang="en-US" dirty="0"/>
-              <a:t>Accuracy , f1 score metrics</a:t>
+              <a:t>VALID</a:t>
+            </a:r>
+          </a:p>
+        </p:txBody>
+      </p:sp>
+      <p:sp>
+        <p:nvSpPr>
+          <p:cNvPr id="12" name="Rectangle 11">
+            <a:extLst>
+              <a:ext uri="{FF2B5EF4-FFF2-40B4-BE49-F238E27FC236}">
+                <a16:creationId xmlns:a16="http://schemas.microsoft.com/office/drawing/2014/main" id="{1C3CF37C-0BC9-8240-1B51-A4BA3C1FD61F}"/>
+              </a:ext>
+            </a:extLst>
+          </p:cNvPr>
+          <p:cNvSpPr/>
+          <p:nvPr/>
+        </p:nvSpPr>
+        <p:spPr>
+          <a:xfrm>
+            <a:off x="10381256" y="3708215"/>
+            <a:ext cx="1810744" cy="899410"/>
+          </a:xfrm>
+          <a:prstGeom prst="rect">
+            <a:avLst/>
+          </a:prstGeom>
+          <a:solidFill>
+            <a:schemeClr val="accent4">
+              <a:lumMod val="20000"/>
+              <a:lumOff val="80000"/>
+            </a:schemeClr>
+          </a:solidFill>
+        </p:spPr>
+        <p:style>
+          <a:lnRef idx="2">
+            <a:schemeClr val="accent1">
+              <a:shade val="15000"/>
+            </a:schemeClr>
+          </a:lnRef>
+          <a:fillRef idx="1">
+            <a:schemeClr val="accent1"/>
+          </a:fillRef>
+          <a:effectRef idx="0">
+            <a:schemeClr val="accent1"/>
+          </a:effectRef>
+          <a:fontRef idx="minor">
+            <a:schemeClr val="lt1"/>
+          </a:fontRef>
+        </p:style>
+        <p:txBody>
+          <a:bodyPr rtlCol="0" anchor="ctr"/>
+          <a:lstStyle/>
+          <a:p>
+            <a:pPr algn="ctr"/>
+            <a:endParaRPr lang="en-US"/>
+          </a:p>
+        </p:txBody>
+      </p:sp>
+      <p:sp>
+        <p:nvSpPr>
+          <p:cNvPr id="13" name="TextBox 12">
+            <a:extLst>
+              <a:ext uri="{FF2B5EF4-FFF2-40B4-BE49-F238E27FC236}">
+                <a16:creationId xmlns:a16="http://schemas.microsoft.com/office/drawing/2014/main" id="{0560182D-FB0E-DC1A-D25C-D08CBD14ABA1}"/>
+              </a:ext>
+            </a:extLst>
+          </p:cNvPr>
+          <p:cNvSpPr txBox="1"/>
+          <p:nvPr/>
+        </p:nvSpPr>
+        <p:spPr>
+          <a:xfrm>
+            <a:off x="10448428" y="3950332"/>
+            <a:ext cx="1810744" cy="369332"/>
+          </a:xfrm>
+          <a:prstGeom prst="rect">
+            <a:avLst/>
+          </a:prstGeom>
+          <a:noFill/>
+        </p:spPr>
+        <p:txBody>
+          <a:bodyPr wrap="square" rtlCol="0">
+            <a:spAutoFit/>
+          </a:bodyPr>
+          <a:lstStyle/>
+          <a:p>
+            <a:r>
+              <a:rPr lang="en-US" dirty="0"/>
+              <a:t>HOLDOUT-TEST</a:t>
+            </a:r>
+          </a:p>
+        </p:txBody>
+      </p:sp>
+      <p:sp>
+        <p:nvSpPr>
+          <p:cNvPr id="15" name="Rounded Rectangle 14">
+            <a:extLst>
+              <a:ext uri="{FF2B5EF4-FFF2-40B4-BE49-F238E27FC236}">
+                <a16:creationId xmlns:a16="http://schemas.microsoft.com/office/drawing/2014/main" id="{F2B1D5C5-DF4C-58F1-F35F-86DF6918D3F0}"/>
+              </a:ext>
+            </a:extLst>
+          </p:cNvPr>
+          <p:cNvSpPr/>
+          <p:nvPr/>
+        </p:nvSpPr>
+        <p:spPr>
+          <a:xfrm>
+            <a:off x="6192186" y="2401792"/>
+            <a:ext cx="2118610" cy="892402"/>
+          </a:xfrm>
+          <a:prstGeom prst="roundRect">
+            <a:avLst/>
+          </a:prstGeom>
+          <a:solidFill>
+            <a:schemeClr val="accent5">
+              <a:lumMod val="20000"/>
+              <a:lumOff val="80000"/>
+            </a:schemeClr>
+          </a:solidFill>
+        </p:spPr>
+        <p:style>
+          <a:lnRef idx="2">
+            <a:schemeClr val="accent1">
+              <a:shade val="15000"/>
+            </a:schemeClr>
+          </a:lnRef>
+          <a:fillRef idx="1">
+            <a:schemeClr val="accent1"/>
+          </a:fillRef>
+          <a:effectRef idx="0">
+            <a:schemeClr val="accent1"/>
+          </a:effectRef>
+          <a:fontRef idx="minor">
+            <a:schemeClr val="lt1"/>
+          </a:fontRef>
+        </p:style>
+        <p:txBody>
+          <a:bodyPr rtlCol="0" anchor="ctr"/>
+          <a:lstStyle/>
+          <a:p>
+            <a:pPr algn="ctr"/>
+            <a:endParaRPr lang="en-US"/>
+          </a:p>
+        </p:txBody>
+      </p:sp>
+      <p:sp>
+        <p:nvSpPr>
+          <p:cNvPr id="16" name="TextBox 15">
+            <a:extLst>
+              <a:ext uri="{FF2B5EF4-FFF2-40B4-BE49-F238E27FC236}">
+                <a16:creationId xmlns:a16="http://schemas.microsoft.com/office/drawing/2014/main" id="{CD6C1F31-0D01-4677-2D09-28BB5C381706}"/>
+              </a:ext>
+            </a:extLst>
+          </p:cNvPr>
+          <p:cNvSpPr txBox="1"/>
+          <p:nvPr/>
+        </p:nvSpPr>
+        <p:spPr>
+          <a:xfrm>
+            <a:off x="6391309" y="2683778"/>
+            <a:ext cx="1572610" cy="369332"/>
+          </a:xfrm>
+          <a:prstGeom prst="rect">
+            <a:avLst/>
+          </a:prstGeom>
+          <a:noFill/>
+        </p:spPr>
+        <p:txBody>
+          <a:bodyPr wrap="none" rtlCol="0">
+            <a:spAutoFit/>
+          </a:bodyPr>
+          <a:lstStyle/>
+          <a:p>
+            <a:r>
+              <a:rPr lang="en-US" dirty="0"/>
+              <a:t>INJECT NOISE</a:t>
+            </a:r>
+          </a:p>
+        </p:txBody>
+      </p:sp>
+      <p:cxnSp>
+        <p:nvCxnSpPr>
+          <p:cNvPr id="18" name="Straight Arrow Connector 17">
+            <a:extLst>
+              <a:ext uri="{FF2B5EF4-FFF2-40B4-BE49-F238E27FC236}">
+                <a16:creationId xmlns:a16="http://schemas.microsoft.com/office/drawing/2014/main" id="{EDA2CD80-E6F0-880C-0B7A-55497F7F21F7}"/>
+              </a:ext>
+            </a:extLst>
+          </p:cNvPr>
+          <p:cNvCxnSpPr>
+            <a:cxnSpLocks/>
+          </p:cNvCxnSpPr>
+          <p:nvPr/>
+        </p:nvCxnSpPr>
+        <p:spPr>
+          <a:xfrm>
+            <a:off x="7039131" y="3294194"/>
+            <a:ext cx="0" cy="335352"/>
+          </a:xfrm>
+          <a:prstGeom prst="straightConnector1">
+            <a:avLst/>
+          </a:prstGeom>
+          <a:ln>
+            <a:tailEnd type="triangle"/>
+          </a:ln>
+        </p:spPr>
+        <p:style>
+          <a:lnRef idx="2">
+            <a:schemeClr val="accent1"/>
+          </a:lnRef>
+          <a:fillRef idx="0">
+            <a:schemeClr val="accent1"/>
+          </a:fillRef>
+          <a:effectRef idx="1">
+            <a:schemeClr val="accent1"/>
+          </a:effectRef>
+          <a:fontRef idx="minor">
+            <a:schemeClr val="tx1"/>
+          </a:fontRef>
+        </p:style>
+      </p:cxnSp>
+      <p:cxnSp>
+        <p:nvCxnSpPr>
+          <p:cNvPr id="20" name="Straight Arrow Connector 19">
+            <a:extLst>
+              <a:ext uri="{FF2B5EF4-FFF2-40B4-BE49-F238E27FC236}">
+                <a16:creationId xmlns:a16="http://schemas.microsoft.com/office/drawing/2014/main" id="{DA4A15A4-A23B-356D-0562-C52F6B642D85}"/>
+              </a:ext>
+            </a:extLst>
+          </p:cNvPr>
+          <p:cNvCxnSpPr>
+            <a:cxnSpLocks/>
+          </p:cNvCxnSpPr>
+          <p:nvPr/>
+        </p:nvCxnSpPr>
+        <p:spPr>
+          <a:xfrm>
+            <a:off x="9766656" y="1487392"/>
+            <a:ext cx="0" cy="2106968"/>
+          </a:xfrm>
+          <a:prstGeom prst="straightConnector1">
+            <a:avLst/>
+          </a:prstGeom>
+          <a:ln>
+            <a:tailEnd type="triangle"/>
+          </a:ln>
+        </p:spPr>
+        <p:style>
+          <a:lnRef idx="2">
+            <a:schemeClr val="accent1"/>
+          </a:lnRef>
+          <a:fillRef idx="0">
+            <a:schemeClr val="accent1"/>
+          </a:fillRef>
+          <a:effectRef idx="1">
+            <a:schemeClr val="accent1"/>
+          </a:effectRef>
+          <a:fontRef idx="minor">
+            <a:schemeClr val="tx1"/>
+          </a:fontRef>
+        </p:style>
+      </p:cxnSp>
+      <p:cxnSp>
+        <p:nvCxnSpPr>
+          <p:cNvPr id="22" name="Straight Arrow Connector 21">
+            <a:extLst>
+              <a:ext uri="{FF2B5EF4-FFF2-40B4-BE49-F238E27FC236}">
+                <a16:creationId xmlns:a16="http://schemas.microsoft.com/office/drawing/2014/main" id="{7E71CDE6-6377-CF6A-0AC0-97D50B93CD47}"/>
+              </a:ext>
+            </a:extLst>
+          </p:cNvPr>
+          <p:cNvCxnSpPr>
+            <a:cxnSpLocks/>
+          </p:cNvCxnSpPr>
+          <p:nvPr/>
+        </p:nvCxnSpPr>
+        <p:spPr>
+          <a:xfrm>
+            <a:off x="11014364" y="1487392"/>
+            <a:ext cx="9651" cy="2142154"/>
+          </a:xfrm>
+          <a:prstGeom prst="straightConnector1">
+            <a:avLst/>
+          </a:prstGeom>
+          <a:ln>
+            <a:tailEnd type="triangle"/>
+          </a:ln>
+        </p:spPr>
+        <p:style>
+          <a:lnRef idx="2">
+            <a:schemeClr val="accent1"/>
+          </a:lnRef>
+          <a:fillRef idx="0">
+            <a:schemeClr val="accent1"/>
+          </a:fillRef>
+          <a:effectRef idx="1">
+            <a:schemeClr val="accent1"/>
+          </a:effectRef>
+          <a:fontRef idx="minor">
+            <a:schemeClr val="tx1"/>
+          </a:fontRef>
+        </p:style>
+      </p:cxnSp>
+      <p:cxnSp>
+        <p:nvCxnSpPr>
+          <p:cNvPr id="28" name="Straight Arrow Connector 27">
+            <a:extLst>
+              <a:ext uri="{FF2B5EF4-FFF2-40B4-BE49-F238E27FC236}">
+                <a16:creationId xmlns:a16="http://schemas.microsoft.com/office/drawing/2014/main" id="{82B0541A-F3C9-7651-CDC8-AB57C5FB8BB5}"/>
+              </a:ext>
+            </a:extLst>
+          </p:cNvPr>
+          <p:cNvCxnSpPr>
+            <a:cxnSpLocks/>
+          </p:cNvCxnSpPr>
+          <p:nvPr/>
+        </p:nvCxnSpPr>
+        <p:spPr>
+          <a:xfrm>
+            <a:off x="7039131" y="4528956"/>
+            <a:ext cx="0" cy="335352"/>
+          </a:xfrm>
+          <a:prstGeom prst="straightConnector1">
+            <a:avLst/>
+          </a:prstGeom>
+          <a:ln>
+            <a:tailEnd type="triangle"/>
+          </a:ln>
+        </p:spPr>
+        <p:style>
+          <a:lnRef idx="2">
+            <a:schemeClr val="accent1"/>
+          </a:lnRef>
+          <a:fillRef idx="0">
+            <a:schemeClr val="accent1"/>
+          </a:fillRef>
+          <a:effectRef idx="1">
+            <a:schemeClr val="accent1"/>
+          </a:effectRef>
+          <a:fontRef idx="minor">
+            <a:schemeClr val="tx1"/>
+          </a:fontRef>
+        </p:style>
+      </p:cxnSp>
+      <p:sp>
+        <p:nvSpPr>
+          <p:cNvPr id="29" name="Rounded Rectangle 28">
+            <a:extLst>
+              <a:ext uri="{FF2B5EF4-FFF2-40B4-BE49-F238E27FC236}">
+                <a16:creationId xmlns:a16="http://schemas.microsoft.com/office/drawing/2014/main" id="{8EBA9D98-FB97-101E-6A5E-2E1F6308FDCF}"/>
+              </a:ext>
+            </a:extLst>
+          </p:cNvPr>
+          <p:cNvSpPr/>
+          <p:nvPr/>
+        </p:nvSpPr>
+        <p:spPr>
+          <a:xfrm>
+            <a:off x="5222825" y="4864308"/>
+            <a:ext cx="2663252" cy="581503"/>
+          </a:xfrm>
+          <a:prstGeom prst="roundRect">
+            <a:avLst/>
+          </a:prstGeom>
+          <a:solidFill>
+            <a:schemeClr val="accent3">
+              <a:lumMod val="20000"/>
+              <a:lumOff val="80000"/>
+            </a:schemeClr>
+          </a:solidFill>
+        </p:spPr>
+        <p:style>
+          <a:lnRef idx="2">
+            <a:schemeClr val="accent1">
+              <a:shade val="15000"/>
+            </a:schemeClr>
+          </a:lnRef>
+          <a:fillRef idx="1">
+            <a:schemeClr val="accent1"/>
+          </a:fillRef>
+          <a:effectRef idx="0">
+            <a:schemeClr val="accent1"/>
+          </a:effectRef>
+          <a:fontRef idx="minor">
+            <a:schemeClr val="lt1"/>
+          </a:fontRef>
+        </p:style>
+        <p:txBody>
+          <a:bodyPr rtlCol="0" anchor="ctr"/>
+          <a:lstStyle/>
+          <a:p>
+            <a:pPr algn="ctr"/>
+            <a:endParaRPr lang="en-US"/>
+          </a:p>
+        </p:txBody>
+      </p:sp>
+      <p:sp>
+        <p:nvSpPr>
+          <p:cNvPr id="30" name="TextBox 29">
+            <a:extLst>
+              <a:ext uri="{FF2B5EF4-FFF2-40B4-BE49-F238E27FC236}">
+                <a16:creationId xmlns:a16="http://schemas.microsoft.com/office/drawing/2014/main" id="{97200AEF-1024-4873-EEAF-8F2E968F06B9}"/>
+              </a:ext>
+            </a:extLst>
+          </p:cNvPr>
+          <p:cNvSpPr txBox="1"/>
+          <p:nvPr/>
+        </p:nvSpPr>
+        <p:spPr>
+          <a:xfrm>
+            <a:off x="5734772" y="4970393"/>
+            <a:ext cx="1979132" cy="369332"/>
+          </a:xfrm>
+          <a:prstGeom prst="rect">
+            <a:avLst/>
+          </a:prstGeom>
+          <a:noFill/>
+        </p:spPr>
+        <p:txBody>
+          <a:bodyPr wrap="none" rtlCol="0">
+            <a:spAutoFit/>
+          </a:bodyPr>
+          <a:lstStyle/>
+          <a:p>
+            <a:r>
+              <a:rPr lang="en-US" dirty="0"/>
+              <a:t>MODEL TRAINING</a:t>
+            </a:r>
+          </a:p>
+        </p:txBody>
+      </p:sp>
+      <p:cxnSp>
+        <p:nvCxnSpPr>
+          <p:cNvPr id="32" name="Elbow Connector 31">
+            <a:extLst>
+              <a:ext uri="{FF2B5EF4-FFF2-40B4-BE49-F238E27FC236}">
+                <a16:creationId xmlns:a16="http://schemas.microsoft.com/office/drawing/2014/main" id="{E47217D6-38DC-0E46-5A8A-D52F06C25EEE}"/>
+              </a:ext>
+            </a:extLst>
+          </p:cNvPr>
+          <p:cNvCxnSpPr/>
+          <p:nvPr/>
+        </p:nvCxnSpPr>
+        <p:spPr>
+          <a:xfrm rot="10800000" flipV="1">
+            <a:off x="7886077" y="4493769"/>
+            <a:ext cx="1270254" cy="476623"/>
+          </a:xfrm>
+          <a:prstGeom prst="bentConnector3">
+            <a:avLst/>
+          </a:prstGeom>
+          <a:ln>
+            <a:tailEnd type="triangle"/>
+          </a:ln>
+        </p:spPr>
+        <p:style>
+          <a:lnRef idx="2">
+            <a:schemeClr val="accent1"/>
+          </a:lnRef>
+          <a:fillRef idx="0">
+            <a:schemeClr val="accent1"/>
+          </a:fillRef>
+          <a:effectRef idx="1">
+            <a:schemeClr val="accent1"/>
+          </a:effectRef>
+          <a:fontRef idx="minor">
+            <a:schemeClr val="tx1"/>
+          </a:fontRef>
+        </p:style>
+      </p:cxnSp>
+      <p:cxnSp>
+        <p:nvCxnSpPr>
+          <p:cNvPr id="34" name="Straight Arrow Connector 33">
+            <a:extLst>
+              <a:ext uri="{FF2B5EF4-FFF2-40B4-BE49-F238E27FC236}">
+                <a16:creationId xmlns:a16="http://schemas.microsoft.com/office/drawing/2014/main" id="{142BEF58-1429-9784-1F77-60272AA43E98}"/>
+              </a:ext>
+            </a:extLst>
+          </p:cNvPr>
+          <p:cNvCxnSpPr/>
+          <p:nvPr/>
+        </p:nvCxnSpPr>
+        <p:spPr>
+          <a:xfrm>
+            <a:off x="6724338" y="5445811"/>
+            <a:ext cx="0" cy="388729"/>
+          </a:xfrm>
+          <a:prstGeom prst="straightConnector1">
+            <a:avLst/>
+          </a:prstGeom>
+          <a:ln>
+            <a:tailEnd type="triangle"/>
+          </a:ln>
+        </p:spPr>
+        <p:style>
+          <a:lnRef idx="2">
+            <a:schemeClr val="accent1"/>
+          </a:lnRef>
+          <a:fillRef idx="0">
+            <a:schemeClr val="accent1"/>
+          </a:fillRef>
+          <a:effectRef idx="1">
+            <a:schemeClr val="accent1"/>
+          </a:effectRef>
+          <a:fontRef idx="minor">
+            <a:schemeClr val="tx1"/>
+          </a:fontRef>
+        </p:style>
+      </p:cxnSp>
+      <p:pic>
+        <p:nvPicPr>
+          <p:cNvPr id="4098" name="Picture 2" descr="Object Icons - Free SVG &amp; PNG Object ...">
+            <a:extLst>
+              <a:ext uri="{FF2B5EF4-FFF2-40B4-BE49-F238E27FC236}">
+                <a16:creationId xmlns:a16="http://schemas.microsoft.com/office/drawing/2014/main" id="{BB072A7F-AA8B-B5E9-0EEF-6A849F8A20FE}"/>
+              </a:ext>
+            </a:extLst>
+          </p:cNvPr>
+          <p:cNvPicPr>
+            <a:picLocks noChangeAspect="1" noChangeArrowheads="1"/>
+          </p:cNvPicPr>
+          <p:nvPr/>
+        </p:nvPicPr>
+        <p:blipFill>
+          <a:blip r:embed="rId2">
+            <a:extLst>
+              <a:ext uri="{28A0092B-C50C-407E-A947-70E740481C1C}">
+                <a14:useLocalDpi xmlns:a14="http://schemas.microsoft.com/office/drawing/2010/main" val="0"/>
+              </a:ext>
+            </a:extLst>
+          </a:blip>
+          <a:srcRect/>
+          <a:stretch>
+            <a:fillRect/>
+          </a:stretch>
+        </p:blipFill>
+        <p:spPr bwMode="auto">
+          <a:xfrm>
+            <a:off x="6296329" y="5911661"/>
+            <a:ext cx="881285" cy="816014"/>
+          </a:xfrm>
+          <a:prstGeom prst="rect">
+            <a:avLst/>
+          </a:prstGeom>
+          <a:noFill/>
+          <a:extLst>
+            <a:ext uri="{909E8E84-426E-40DD-AFC4-6F175D3DCCD1}">
+              <a14:hiddenFill xmlns:a14="http://schemas.microsoft.com/office/drawing/2010/main">
+                <a:solidFill>
+                  <a:srgbClr val="FFFFFF"/>
+                </a:solidFill>
+              </a14:hiddenFill>
+            </a:ext>
+          </a:extLst>
+        </p:spPr>
+      </p:pic>
+      <p:cxnSp>
+        <p:nvCxnSpPr>
+          <p:cNvPr id="36" name="Elbow Connector 35">
+            <a:extLst>
+              <a:ext uri="{FF2B5EF4-FFF2-40B4-BE49-F238E27FC236}">
+                <a16:creationId xmlns:a16="http://schemas.microsoft.com/office/drawing/2014/main" id="{17604750-2C8D-F4EF-0C8D-D75ECEF6C737}"/>
+              </a:ext>
+            </a:extLst>
+          </p:cNvPr>
+          <p:cNvCxnSpPr>
+            <a:stCxn id="12" idx="2"/>
+          </p:cNvCxnSpPr>
+          <p:nvPr/>
+        </p:nvCxnSpPr>
+        <p:spPr>
+          <a:xfrm rot="5400000">
+            <a:off x="8251301" y="3425434"/>
+            <a:ext cx="1853136" cy="4217518"/>
+          </a:xfrm>
+          <a:prstGeom prst="bentConnector2">
+            <a:avLst/>
+          </a:prstGeom>
+          <a:ln>
+            <a:tailEnd type="triangle"/>
+          </a:ln>
+        </p:spPr>
+        <p:style>
+          <a:lnRef idx="2">
+            <a:schemeClr val="accent1"/>
+          </a:lnRef>
+          <a:fillRef idx="0">
+            <a:schemeClr val="accent1"/>
+          </a:fillRef>
+          <a:effectRef idx="1">
+            <a:schemeClr val="accent1"/>
+          </a:effectRef>
+          <a:fontRef idx="minor">
+            <a:schemeClr val="tx1"/>
+          </a:fontRef>
+        </p:style>
+      </p:cxnSp>
+      <p:sp>
+        <p:nvSpPr>
+          <p:cNvPr id="37" name="TextBox 36">
+            <a:extLst>
+              <a:ext uri="{FF2B5EF4-FFF2-40B4-BE49-F238E27FC236}">
+                <a16:creationId xmlns:a16="http://schemas.microsoft.com/office/drawing/2014/main" id="{EB32B982-4032-7A99-7957-DA959AA2F697}"/>
+              </a:ext>
+            </a:extLst>
+          </p:cNvPr>
+          <p:cNvSpPr txBox="1"/>
+          <p:nvPr/>
+        </p:nvSpPr>
+        <p:spPr>
+          <a:xfrm>
+            <a:off x="7034477" y="5777470"/>
+            <a:ext cx="1416452" cy="461665"/>
+          </a:xfrm>
+          <a:prstGeom prst="rect">
+            <a:avLst/>
+          </a:prstGeom>
+          <a:noFill/>
+        </p:spPr>
+        <p:txBody>
+          <a:bodyPr wrap="square" rtlCol="0">
+            <a:spAutoFit/>
+          </a:bodyPr>
+          <a:lstStyle/>
+          <a:p>
+            <a:r>
+              <a:rPr lang="en-US" sz="1200" dirty="0"/>
+              <a:t>Trained Model</a:t>
+            </a:r>
+          </a:p>
+          <a:p>
+            <a:r>
+              <a:rPr lang="en-US" sz="1200" dirty="0"/>
+              <a:t> object</a:t>
+            </a:r>
+          </a:p>
+        </p:txBody>
+      </p:sp>
+      <p:cxnSp>
+        <p:nvCxnSpPr>
+          <p:cNvPr id="39" name="Straight Arrow Connector 38">
+            <a:extLst>
+              <a:ext uri="{FF2B5EF4-FFF2-40B4-BE49-F238E27FC236}">
+                <a16:creationId xmlns:a16="http://schemas.microsoft.com/office/drawing/2014/main" id="{25ECF95E-4DA5-DDE4-12F5-670591A92E72}"/>
+              </a:ext>
+            </a:extLst>
+          </p:cNvPr>
+          <p:cNvCxnSpPr/>
+          <p:nvPr/>
+        </p:nvCxnSpPr>
+        <p:spPr>
+          <a:xfrm flipH="1">
+            <a:off x="5446427" y="6319668"/>
+            <a:ext cx="854439" cy="0"/>
+          </a:xfrm>
+          <a:prstGeom prst="straightConnector1">
+            <a:avLst/>
+          </a:prstGeom>
+          <a:ln>
+            <a:tailEnd type="triangle"/>
+          </a:ln>
+        </p:spPr>
+        <p:style>
+          <a:lnRef idx="2">
+            <a:schemeClr val="accent1"/>
+          </a:lnRef>
+          <a:fillRef idx="0">
+            <a:schemeClr val="accent1"/>
+          </a:fillRef>
+          <a:effectRef idx="1">
+            <a:schemeClr val="accent1"/>
+          </a:effectRef>
+          <a:fontRef idx="minor">
+            <a:schemeClr val="tx1"/>
+          </a:fontRef>
+        </p:style>
+      </p:cxnSp>
+      <p:sp>
+        <p:nvSpPr>
+          <p:cNvPr id="40" name="TextBox 39">
+            <a:extLst>
+              <a:ext uri="{FF2B5EF4-FFF2-40B4-BE49-F238E27FC236}">
+                <a16:creationId xmlns:a16="http://schemas.microsoft.com/office/drawing/2014/main" id="{40835984-EBAF-EB8E-F16B-2F6E5664097D}"/>
+              </a:ext>
+            </a:extLst>
+          </p:cNvPr>
+          <p:cNvSpPr txBox="1"/>
+          <p:nvPr/>
+        </p:nvSpPr>
+        <p:spPr>
+          <a:xfrm>
+            <a:off x="4661941" y="6008302"/>
+            <a:ext cx="1111779" cy="646331"/>
+          </a:xfrm>
+          <a:prstGeom prst="rect">
+            <a:avLst/>
+          </a:prstGeom>
+          <a:noFill/>
+        </p:spPr>
+        <p:txBody>
+          <a:bodyPr wrap="none" rtlCol="0">
+            <a:spAutoFit/>
+          </a:bodyPr>
+          <a:lstStyle/>
+          <a:p>
+            <a:r>
+              <a:rPr lang="en-US" dirty="0"/>
+              <a:t>Accuracy</a:t>
+            </a:r>
+          </a:p>
+          <a:p>
+            <a:r>
+              <a:rPr lang="en-US" dirty="0"/>
+              <a:t>Metric</a:t>
             </a:r>
           </a:p>
         </p:txBody>

--- a/MNIST_Model1/pytorch_imple/noise robust loss functions.pptx
+++ b/MNIST_Model1/pytorch_imple/noise robust loss functions.pptx
@@ -3751,36 +3751,6 @@
           </a:fontRef>
         </p:style>
       </p:cxnSp>
-      <p:pic>
-        <p:nvPicPr>
-          <p:cNvPr id="6" name="Picture 5">
-            <a:extLst>
-              <a:ext uri="{FF2B5EF4-FFF2-40B4-BE49-F238E27FC236}">
-                <a16:creationId xmlns:a16="http://schemas.microsoft.com/office/drawing/2014/main" id="{18DD1C51-F206-4FD6-21B2-CCBFBDE2E177}"/>
-              </a:ext>
-            </a:extLst>
-          </p:cNvPr>
-          <p:cNvPicPr>
-            <a:picLocks noChangeAspect="1"/>
-          </p:cNvPicPr>
-          <p:nvPr/>
-        </p:nvPicPr>
-        <p:blipFill>
-          <a:blip r:embed="rId2"/>
-          <a:stretch>
-            <a:fillRect/>
-          </a:stretch>
-        </p:blipFill>
-        <p:spPr>
-          <a:xfrm>
-            <a:off x="4605020" y="2657475"/>
-            <a:ext cx="3378200" cy="850900"/>
-          </a:xfrm>
-          <a:prstGeom prst="rect">
-            <a:avLst/>
-          </a:prstGeom>
-        </p:spPr>
-      </p:pic>
       <p:cxnSp>
         <p:nvCxnSpPr>
           <p:cNvPr id="7" name="Straight Connector 6">
@@ -3852,12 +3822,77 @@
           </a:p>
         </p:txBody>
       </p:sp>
+      <p:sp>
+        <p:nvSpPr>
+          <p:cNvPr id="12" name="TextBox 11">
+            <a:extLst>
+              <a:ext uri="{FF2B5EF4-FFF2-40B4-BE49-F238E27FC236}">
+                <a16:creationId xmlns:a16="http://schemas.microsoft.com/office/drawing/2014/main" id="{00C030F1-4F6B-B274-B2A9-898FF489D35D}"/>
+              </a:ext>
+            </a:extLst>
+          </p:cNvPr>
+          <p:cNvSpPr txBox="1"/>
+          <p:nvPr/>
+        </p:nvSpPr>
+        <p:spPr>
+          <a:xfrm>
+            <a:off x="8583168" y="1804749"/>
+            <a:ext cx="1996439" cy="369332"/>
+          </a:xfrm>
+          <a:prstGeom prst="rect">
+            <a:avLst/>
+          </a:prstGeom>
+          <a:noFill/>
+        </p:spPr>
+        <p:txBody>
+          <a:bodyPr wrap="square">
+            <a:spAutoFit/>
+          </a:bodyPr>
+          <a:lstStyle/>
+          <a:p>
+            <a:r>
+              <a:rPr lang="en-US" dirty="0"/>
+              <a:t>Bi-tempered loss</a:t>
+            </a:r>
+          </a:p>
+        </p:txBody>
+      </p:sp>
       <p:pic>
         <p:nvPicPr>
-          <p:cNvPr id="10" name="Picture 9">
-            <a:extLst>
-              <a:ext uri="{FF2B5EF4-FFF2-40B4-BE49-F238E27FC236}">
-                <a16:creationId xmlns:a16="http://schemas.microsoft.com/office/drawing/2014/main" id="{6DBC15CC-E28B-358D-952B-57E2F8C12F39}"/>
+          <p:cNvPr id="14" name="Picture 13">
+            <a:extLst>
+              <a:ext uri="{FF2B5EF4-FFF2-40B4-BE49-F238E27FC236}">
+                <a16:creationId xmlns:a16="http://schemas.microsoft.com/office/drawing/2014/main" id="{3F4D11BD-BCDF-39B4-A58D-5E1010A5566D}"/>
+              </a:ext>
+            </a:extLst>
+          </p:cNvPr>
+          <p:cNvPicPr>
+            <a:picLocks noChangeAspect="1"/>
+          </p:cNvPicPr>
+          <p:nvPr/>
+        </p:nvPicPr>
+        <p:blipFill>
+          <a:blip r:embed="rId2"/>
+          <a:stretch>
+            <a:fillRect/>
+          </a:stretch>
+        </p:blipFill>
+        <p:spPr>
+          <a:xfrm>
+            <a:off x="120710" y="2184400"/>
+            <a:ext cx="3544198" cy="1244600"/>
+          </a:xfrm>
+          <a:prstGeom prst="rect">
+            <a:avLst/>
+          </a:prstGeom>
+        </p:spPr>
+      </p:pic>
+      <p:pic>
+        <p:nvPicPr>
+          <p:cNvPr id="17" name="Picture 16">
+            <a:extLst>
+              <a:ext uri="{FF2B5EF4-FFF2-40B4-BE49-F238E27FC236}">
+                <a16:creationId xmlns:a16="http://schemas.microsoft.com/office/drawing/2014/main" id="{D47A52E8-DA84-CD02-F8A2-77B9BC2D04EA}"/>
               </a:ext>
             </a:extLst>
           </p:cNvPr>
@@ -3874,55 +3909,20 @@
         </p:blipFill>
         <p:spPr>
           <a:xfrm>
-            <a:off x="8357615" y="2657475"/>
-            <a:ext cx="3704843" cy="1066800"/>
+            <a:off x="8415021" y="2752902"/>
+            <a:ext cx="3493838" cy="755473"/>
           </a:xfrm>
           <a:prstGeom prst="rect">
             <a:avLst/>
           </a:prstGeom>
         </p:spPr>
       </p:pic>
-      <p:sp>
-        <p:nvSpPr>
-          <p:cNvPr id="12" name="TextBox 11">
-            <a:extLst>
-              <a:ext uri="{FF2B5EF4-FFF2-40B4-BE49-F238E27FC236}">
-                <a16:creationId xmlns:a16="http://schemas.microsoft.com/office/drawing/2014/main" id="{00C030F1-4F6B-B274-B2A9-898FF489D35D}"/>
-              </a:ext>
-            </a:extLst>
-          </p:cNvPr>
-          <p:cNvSpPr txBox="1"/>
-          <p:nvPr/>
-        </p:nvSpPr>
-        <p:spPr>
-          <a:xfrm>
-            <a:off x="8583168" y="1804749"/>
-            <a:ext cx="1996439" cy="369332"/>
-          </a:xfrm>
-          <a:prstGeom prst="rect">
-            <a:avLst/>
-          </a:prstGeom>
-          <a:noFill/>
-        </p:spPr>
-        <p:txBody>
-          <a:bodyPr wrap="square">
-            <a:spAutoFit/>
-          </a:bodyPr>
-          <a:lstStyle/>
-          <a:p>
-            <a:r>
-              <a:rPr lang="en-US" dirty="0"/>
-              <a:t>Bi-tempered loss</a:t>
-            </a:r>
-          </a:p>
-        </p:txBody>
-      </p:sp>
       <p:pic>
         <p:nvPicPr>
-          <p:cNvPr id="13" name="Picture 12">
-            <a:extLst>
-              <a:ext uri="{FF2B5EF4-FFF2-40B4-BE49-F238E27FC236}">
-                <a16:creationId xmlns:a16="http://schemas.microsoft.com/office/drawing/2014/main" id="{565A32A7-989F-8F38-E994-3A6CA32998E0}"/>
+          <p:cNvPr id="19" name="Picture 18">
+            <a:extLst>
+              <a:ext uri="{FF2B5EF4-FFF2-40B4-BE49-F238E27FC236}">
+                <a16:creationId xmlns:a16="http://schemas.microsoft.com/office/drawing/2014/main" id="{341CB19F-8474-C047-D48D-7F5B3F585C96}"/>
               </a:ext>
             </a:extLst>
           </p:cNvPr>
@@ -3939,14 +3939,261 @@
         </p:blipFill>
         <p:spPr>
           <a:xfrm>
-            <a:off x="5286249" y="3811715"/>
-            <a:ext cx="2336800" cy="596900"/>
+            <a:off x="517950" y="3429000"/>
+            <a:ext cx="3636677" cy="1869557"/>
           </a:xfrm>
           <a:prstGeom prst="rect">
             <a:avLst/>
           </a:prstGeom>
         </p:spPr>
       </p:pic>
+      <p:sp>
+        <p:nvSpPr>
+          <p:cNvPr id="21" name="TextBox 20">
+            <a:extLst>
+              <a:ext uri="{FF2B5EF4-FFF2-40B4-BE49-F238E27FC236}">
+                <a16:creationId xmlns:a16="http://schemas.microsoft.com/office/drawing/2014/main" id="{D16880BB-4207-3B1C-DEF0-137D87C6A8E4}"/>
+              </a:ext>
+            </a:extLst>
+          </p:cNvPr>
+          <p:cNvSpPr txBox="1"/>
+          <p:nvPr/>
+        </p:nvSpPr>
+        <p:spPr>
+          <a:xfrm>
+            <a:off x="353653" y="5443784"/>
+            <a:ext cx="3800972" cy="369332"/>
+          </a:xfrm>
+          <a:prstGeom prst="rect">
+            <a:avLst/>
+          </a:prstGeom>
+          <a:noFill/>
+        </p:spPr>
+        <p:txBody>
+          <a:bodyPr wrap="square">
+            <a:spAutoFit/>
+          </a:bodyPr>
+          <a:lstStyle/>
+          <a:p>
+            <a:r>
+              <a:rPr lang="en-IN" dirty="0"/>
+              <a:t>MAE is a </a:t>
+            </a:r>
+            <a:r>
+              <a:rPr lang="en-IN" b="1" dirty="0"/>
+              <a:t>symmetric</a:t>
+            </a:r>
+            <a:r>
+              <a:rPr lang="en-IN" dirty="0"/>
+              <a:t> loss function. </a:t>
+            </a:r>
+            <a:endParaRPr lang="en-US" dirty="0"/>
+          </a:p>
+        </p:txBody>
+      </p:sp>
+      <p:sp>
+        <p:nvSpPr>
+          <p:cNvPr id="26" name="TextBox 25">
+            <a:extLst>
+              <a:ext uri="{FF2B5EF4-FFF2-40B4-BE49-F238E27FC236}">
+                <a16:creationId xmlns:a16="http://schemas.microsoft.com/office/drawing/2014/main" id="{FCE30333-991C-B45F-2408-77AB22B4743C}"/>
+              </a:ext>
+            </a:extLst>
+          </p:cNvPr>
+          <p:cNvSpPr txBox="1"/>
+          <p:nvPr/>
+        </p:nvSpPr>
+        <p:spPr>
+          <a:xfrm>
+            <a:off x="8534958" y="3874124"/>
+            <a:ext cx="3253963" cy="2862322"/>
+          </a:xfrm>
+          <a:prstGeom prst="rect">
+            <a:avLst/>
+          </a:prstGeom>
+          <a:noFill/>
+        </p:spPr>
+        <p:txBody>
+          <a:bodyPr wrap="square" rtlCol="0">
+            <a:spAutoFit/>
+          </a:bodyPr>
+          <a:lstStyle/>
+          <a:p>
+            <a:pPr marL="285750" indent="-285750">
+              <a:buFont typeface="Arial" panose="020B0604020202020204" pitchFamily="34" charset="0"/>
+              <a:buChar char="•"/>
+            </a:pPr>
+            <a:r>
+              <a:rPr lang="en-US" dirty="0"/>
+              <a:t>Yi : The actual label</a:t>
+            </a:r>
+          </a:p>
+          <a:p>
+            <a:pPr marL="285750" indent="-285750">
+              <a:buFont typeface="Arial" panose="020B0604020202020204" pitchFamily="34" charset="0"/>
+              <a:buChar char="•"/>
+            </a:pPr>
+            <a:r>
+              <a:rPr lang="en-US" dirty="0"/>
+              <a:t>Pi: Predicted probability</a:t>
+            </a:r>
+          </a:p>
+          <a:p>
+            <a:pPr marL="285750" indent="-285750">
+              <a:buFont typeface="Arial" panose="020B0604020202020204" pitchFamily="34" charset="0"/>
+              <a:buChar char="•"/>
+            </a:pPr>
+            <a:endParaRPr lang="en-US" dirty="0"/>
+          </a:p>
+          <a:p>
+            <a:pPr marL="285750" indent="-285750">
+              <a:buFont typeface="Arial" panose="020B0604020202020204" pitchFamily="34" charset="0"/>
+              <a:buChar char="•"/>
+            </a:pPr>
+            <a:r>
+              <a:rPr lang="en-US" altLang="en-US" dirty="0">
+                <a:latin typeface="Google Sans Text"/>
+              </a:rPr>
+              <a:t>t1: Controls the "boundedness" of the loss</a:t>
+            </a:r>
+          </a:p>
+          <a:p>
+            <a:pPr marL="285750" indent="-285750">
+              <a:buFont typeface="Arial" panose="020B0604020202020204" pitchFamily="34" charset="0"/>
+              <a:buChar char="•"/>
+            </a:pPr>
+            <a:r>
+              <a:rPr lang="en-US" altLang="en-US" dirty="0">
+                <a:latin typeface="Google Sans Text"/>
+              </a:rPr>
+              <a:t> t2: Controls the "tail-heaviness" of the </a:t>
+            </a:r>
+            <a:r>
+              <a:rPr lang="en-US" altLang="en-US" dirty="0" err="1">
+                <a:latin typeface="Google Sans Text"/>
+              </a:rPr>
+              <a:t>softmax</a:t>
+            </a:r>
+            <a:r>
+              <a:rPr lang="en-US" altLang="en-US" dirty="0">
+                <a:latin typeface="Google Sans Text"/>
+              </a:rPr>
+              <a:t> probability</a:t>
+            </a:r>
+            <a:endParaRPr lang="en-US" altLang="en-US" dirty="0">
+              <a:latin typeface="Arial" panose="020B0604020202020204" pitchFamily="34" charset="0"/>
+            </a:endParaRPr>
+          </a:p>
+          <a:p>
+            <a:pPr marL="285750" indent="-285750">
+              <a:buFont typeface="Arial" panose="020B0604020202020204" pitchFamily="34" charset="0"/>
+              <a:buChar char="•"/>
+            </a:pPr>
+            <a:endParaRPr lang="en-US" altLang="en-US" dirty="0">
+              <a:latin typeface="Google Sans Text"/>
+            </a:endParaRPr>
+          </a:p>
+          <a:p>
+            <a:pPr marL="285750" indent="-285750">
+              <a:buFont typeface="Arial" panose="020B0604020202020204" pitchFamily="34" charset="0"/>
+              <a:buChar char="•"/>
+            </a:pPr>
+            <a:endParaRPr lang="en-US" dirty="0"/>
+          </a:p>
+        </p:txBody>
+      </p:sp>
+      <p:pic>
+        <p:nvPicPr>
+          <p:cNvPr id="27" name="Picture 26">
+            <a:extLst>
+              <a:ext uri="{FF2B5EF4-FFF2-40B4-BE49-F238E27FC236}">
+                <a16:creationId xmlns:a16="http://schemas.microsoft.com/office/drawing/2014/main" id="{783FC809-C99C-04E1-284F-45835587A580}"/>
+              </a:ext>
+            </a:extLst>
+          </p:cNvPr>
+          <p:cNvPicPr>
+            <a:picLocks noChangeAspect="1"/>
+          </p:cNvPicPr>
+          <p:nvPr/>
+        </p:nvPicPr>
+        <p:blipFill>
+          <a:blip r:embed="rId5"/>
+          <a:stretch>
+            <a:fillRect/>
+          </a:stretch>
+        </p:blipFill>
+        <p:spPr>
+          <a:xfrm>
+            <a:off x="4550873" y="2692400"/>
+            <a:ext cx="3365500" cy="736600"/>
+          </a:xfrm>
+          <a:prstGeom prst="rect">
+            <a:avLst/>
+          </a:prstGeom>
+        </p:spPr>
+      </p:pic>
+      <p:sp>
+        <p:nvSpPr>
+          <p:cNvPr id="28" name="TextBox 27">
+            <a:extLst>
+              <a:ext uri="{FF2B5EF4-FFF2-40B4-BE49-F238E27FC236}">
+                <a16:creationId xmlns:a16="http://schemas.microsoft.com/office/drawing/2014/main" id="{FA437CEA-68DB-1124-3A00-557934575C1A}"/>
+              </a:ext>
+            </a:extLst>
+          </p:cNvPr>
+          <p:cNvSpPr txBox="1"/>
+          <p:nvPr/>
+        </p:nvSpPr>
+        <p:spPr>
+          <a:xfrm>
+            <a:off x="4474877" y="3950208"/>
+            <a:ext cx="3800972" cy="1754326"/>
+          </a:xfrm>
+          <a:prstGeom prst="rect">
+            <a:avLst/>
+          </a:prstGeom>
+          <a:noFill/>
+        </p:spPr>
+        <p:txBody>
+          <a:bodyPr wrap="square">
+            <a:spAutoFit/>
+          </a:bodyPr>
+          <a:lstStyle/>
+          <a:p>
+            <a:r>
+              <a:rPr lang="en-IN" dirty="0"/>
+              <a:t>AGCE is a a</a:t>
+            </a:r>
+            <a:r>
+              <a:rPr lang="en-IN" b="1" dirty="0"/>
+              <a:t>symmetric</a:t>
+            </a:r>
+            <a:r>
+              <a:rPr lang="en-IN" dirty="0"/>
+              <a:t> loss function.</a:t>
+            </a:r>
+          </a:p>
+          <a:p>
+            <a:r>
+              <a:rPr lang="en-IN" dirty="0"/>
+              <a:t>Two parameters</a:t>
+            </a:r>
+          </a:p>
+          <a:p>
+            <a:r>
+              <a:rPr lang="en-IN" dirty="0"/>
+              <a:t>a: controls the gradient near zero</a:t>
+            </a:r>
+          </a:p>
+          <a:p>
+            <a:r>
+              <a:rPr lang="en-IN" dirty="0"/>
+              <a:t>q:  controls the shape/focussing behavior</a:t>
+            </a:r>
+            <a:endParaRPr lang="en-US" dirty="0"/>
+          </a:p>
+        </p:txBody>
+      </p:sp>
     </p:spTree>
     <p:extLst>
       <p:ext uri="{BB962C8B-B14F-4D97-AF65-F5344CB8AC3E}">
@@ -10909,7 +11156,7 @@
           <a:p>
             <a:r>
               <a:rPr lang="en-US" dirty="0"/>
-              <a:t>Learning despite noisy labels: Approaches</a:t>
+              <a:t>Literature review: Learning despite noisy labels: Approaches</a:t>
             </a:r>
           </a:p>
         </p:txBody>
@@ -11827,12 +12074,6 @@
           <a:p>
             <a:r>
               <a:rPr lang="en-US" dirty="0"/>
-              <a:t>Symmetric noise</a:t>
-            </a:r>
-          </a:p>
-          <a:p>
-            <a:r>
-              <a:rPr lang="en-US" dirty="0"/>
               <a:t>Loss function with symmetry property</a:t>
             </a:r>
           </a:p>
@@ -11854,7 +12095,7 @@
         </p:nvSpPr>
         <p:spPr>
           <a:xfrm>
-            <a:off x="5925312" y="1965833"/>
+            <a:off x="6554899" y="3125695"/>
             <a:ext cx="5087112" cy="3764407"/>
           </a:xfrm>
           <a:prstGeom prst="rect">
@@ -12030,10 +12271,7 @@
             </a:lvl9pPr>
           </a:lstStyle>
           <a:p>
-            <a:r>
-              <a:rPr lang="en-US" dirty="0"/>
-              <a:t>Asymmetric noise</a:t>
-            </a:r>
+            <a:endParaRPr lang="en-US" dirty="0"/>
           </a:p>
           <a:p>
             <a:r>
@@ -12136,7 +12374,7 @@
         <p:spPr>
           <a:xfrm>
             <a:off x="740664" y="5855506"/>
-            <a:ext cx="5798062" cy="923330"/>
+            <a:ext cx="5653535" cy="923330"/>
           </a:xfrm>
           <a:prstGeom prst="rect">
             <a:avLst/>
@@ -12169,11 +12407,41 @@
             </a:pPr>
             <a:r>
               <a:rPr lang="en-US" dirty="0"/>
-              <a:t>Improve the performance with asymmetric high noise</a:t>
-            </a:r>
-          </a:p>
-        </p:txBody>
-      </p:sp>
+              <a:t>Different approach for asymmetric high noise &gt;50% </a:t>
+            </a:r>
+          </a:p>
+        </p:txBody>
+      </p:sp>
+      <p:pic>
+        <p:nvPicPr>
+          <p:cNvPr id="7" name="Picture 6">
+            <a:extLst>
+              <a:ext uri="{FF2B5EF4-FFF2-40B4-BE49-F238E27FC236}">
+                <a16:creationId xmlns:a16="http://schemas.microsoft.com/office/drawing/2014/main" id="{6DDDE508-43B7-B590-BADF-6F615B0AA8B6}"/>
+              </a:ext>
+            </a:extLst>
+          </p:cNvPr>
+          <p:cNvPicPr>
+            <a:picLocks noChangeAspect="1"/>
+          </p:cNvPicPr>
+          <p:nvPr/>
+        </p:nvPicPr>
+        <p:blipFill>
+          <a:blip r:embed="rId3"/>
+          <a:stretch>
+            <a:fillRect/>
+          </a:stretch>
+        </p:blipFill>
+        <p:spPr>
+          <a:xfrm>
+            <a:off x="6692900" y="1688850"/>
+            <a:ext cx="4660900" cy="1651000"/>
+          </a:xfrm>
+          <a:prstGeom prst="rect">
+            <a:avLst/>
+          </a:prstGeom>
+        </p:spPr>
+      </p:pic>
     </p:spTree>
     <p:extLst>
       <p:ext uri="{BB962C8B-B14F-4D97-AF65-F5344CB8AC3E}">
